--- a/images/theory_analysis/Nginx_Thread_Pool/Nginx_Thread_Pool.pptx
+++ b/images/theory_analysis/Nginx_Thread_Pool/Nginx_Thread_Pool.pptx
@@ -214,7 +214,7 @@
           <a:p>
             <a:fld id="{6CD5550B-26C4-49A9-A5BA-636EF7BE6CE9}" type="datetimeFigureOut">
               <a:rPr lang="ko-KR" altLang="en-US" smtClean="0"/>
-              <a:t>2020-08-23</a:t>
+              <a:t>2020-08-26</a:t>
             </a:fld>
             <a:endParaRPr lang="ko-KR" altLang="en-US"/>
           </a:p>
@@ -860,7 +860,7 @@
           <a:p>
             <a:fld id="{FB30EDBD-1C2D-4C1E-B459-B60219FAB484}" type="datetimeFigureOut">
               <a:rPr lang="ko-KR" altLang="en-US" smtClean="0"/>
-              <a:t>2020-08-23</a:t>
+              <a:t>2020-08-26</a:t>
             </a:fld>
             <a:endParaRPr lang="ko-KR" altLang="en-US"/>
           </a:p>
@@ -1023,7 +1023,7 @@
           <a:p>
             <a:fld id="{FB30EDBD-1C2D-4C1E-B459-B60219FAB484}" type="datetimeFigureOut">
               <a:rPr lang="ko-KR" altLang="en-US" smtClean="0"/>
-              <a:t>2020-08-23</a:t>
+              <a:t>2020-08-26</a:t>
             </a:fld>
             <a:endParaRPr lang="ko-KR" altLang="en-US"/>
           </a:p>
@@ -1196,7 +1196,7 @@
           <a:p>
             <a:fld id="{FB30EDBD-1C2D-4C1E-B459-B60219FAB484}" type="datetimeFigureOut">
               <a:rPr lang="ko-KR" altLang="en-US" smtClean="0"/>
-              <a:t>2020-08-23</a:t>
+              <a:t>2020-08-26</a:t>
             </a:fld>
             <a:endParaRPr lang="ko-KR" altLang="en-US"/>
           </a:p>
@@ -1359,7 +1359,7 @@
           <a:p>
             <a:fld id="{FB30EDBD-1C2D-4C1E-B459-B60219FAB484}" type="datetimeFigureOut">
               <a:rPr lang="ko-KR" altLang="en-US" smtClean="0"/>
-              <a:t>2020-08-23</a:t>
+              <a:t>2020-08-26</a:t>
             </a:fld>
             <a:endParaRPr lang="ko-KR" altLang="en-US"/>
           </a:p>
@@ -1599,7 +1599,7 @@
           <a:p>
             <a:fld id="{FB30EDBD-1C2D-4C1E-B459-B60219FAB484}" type="datetimeFigureOut">
               <a:rPr lang="ko-KR" altLang="en-US" smtClean="0"/>
-              <a:t>2020-08-23</a:t>
+              <a:t>2020-08-26</a:t>
             </a:fld>
             <a:endParaRPr lang="ko-KR" altLang="en-US"/>
           </a:p>
@@ -1879,7 +1879,7 @@
           <a:p>
             <a:fld id="{FB30EDBD-1C2D-4C1E-B459-B60219FAB484}" type="datetimeFigureOut">
               <a:rPr lang="ko-KR" altLang="en-US" smtClean="0"/>
-              <a:t>2020-08-23</a:t>
+              <a:t>2020-08-26</a:t>
             </a:fld>
             <a:endParaRPr lang="ko-KR" altLang="en-US"/>
           </a:p>
@@ -2293,7 +2293,7 @@
           <a:p>
             <a:fld id="{FB30EDBD-1C2D-4C1E-B459-B60219FAB484}" type="datetimeFigureOut">
               <a:rPr lang="ko-KR" altLang="en-US" smtClean="0"/>
-              <a:t>2020-08-23</a:t>
+              <a:t>2020-08-26</a:t>
             </a:fld>
             <a:endParaRPr lang="ko-KR" altLang="en-US"/>
           </a:p>
@@ -2405,7 +2405,7 @@
           <a:p>
             <a:fld id="{FB30EDBD-1C2D-4C1E-B459-B60219FAB484}" type="datetimeFigureOut">
               <a:rPr lang="ko-KR" altLang="en-US" smtClean="0"/>
-              <a:t>2020-08-23</a:t>
+              <a:t>2020-08-26</a:t>
             </a:fld>
             <a:endParaRPr lang="ko-KR" altLang="en-US"/>
           </a:p>
@@ -2495,7 +2495,7 @@
           <a:p>
             <a:fld id="{FB30EDBD-1C2D-4C1E-B459-B60219FAB484}" type="datetimeFigureOut">
               <a:rPr lang="ko-KR" altLang="en-US" smtClean="0"/>
-              <a:t>2020-08-23</a:t>
+              <a:t>2020-08-26</a:t>
             </a:fld>
             <a:endParaRPr lang="ko-KR" altLang="en-US"/>
           </a:p>
@@ -2765,7 +2765,7 @@
           <a:p>
             <a:fld id="{FB30EDBD-1C2D-4C1E-B459-B60219FAB484}" type="datetimeFigureOut">
               <a:rPr lang="ko-KR" altLang="en-US" smtClean="0"/>
-              <a:t>2020-08-23</a:t>
+              <a:t>2020-08-26</a:t>
             </a:fld>
             <a:endParaRPr lang="ko-KR" altLang="en-US"/>
           </a:p>
@@ -3012,7 +3012,7 @@
           <a:p>
             <a:fld id="{FB30EDBD-1C2D-4C1E-B459-B60219FAB484}" type="datetimeFigureOut">
               <a:rPr lang="ko-KR" altLang="en-US" smtClean="0"/>
-              <a:t>2020-08-23</a:t>
+              <a:t>2020-08-26</a:t>
             </a:fld>
             <a:endParaRPr lang="ko-KR" altLang="en-US"/>
           </a:p>
@@ -3218,7 +3218,7 @@
           <a:p>
             <a:fld id="{FB30EDBD-1C2D-4C1E-B459-B60219FAB484}" type="datetimeFigureOut">
               <a:rPr lang="ko-KR" altLang="en-US" smtClean="0"/>
-              <a:t>2020-08-23</a:t>
+              <a:t>2020-08-26</a:t>
             </a:fld>
             <a:endParaRPr lang="ko-KR" altLang="en-US"/>
           </a:p>
@@ -4518,6 +4518,13 @@
         <p:txBody>
           <a:bodyPr rtlCol="0" anchor="ctr"/>
           <a:lstStyle/>
+          <a:p>
+            <a:pPr algn="ctr"/>
+            <a:r>
+              <a:rPr lang="en-US" altLang="ko-KR" sz="1200"/>
+              <a:t>Process Event or</a:t>
+            </a:r>
+          </a:p>
           <a:p>
             <a:pPr algn="ctr"/>
             <a:r>
